--- a/doc/appium自动化.pptx
+++ b/doc/appium自动化.pptx
@@ -5,7 +5,7 @@
     <p:sldMasterId id="2147483648" r:id="rId1"/>
   </p:sldMasterIdLst>
   <p:notesMasterIdLst>
-    <p:notesMasterId r:id="rId29"/>
+    <p:notesMasterId r:id="rId31"/>
   </p:notesMasterIdLst>
   <p:sldIdLst>
     <p:sldId id="256" r:id="rId2"/>
@@ -31,10 +31,12 @@
     <p:sldId id="282" r:id="rId22"/>
     <p:sldId id="273" r:id="rId23"/>
     <p:sldId id="274" r:id="rId24"/>
-    <p:sldId id="278" r:id="rId25"/>
-    <p:sldId id="287" r:id="rId26"/>
-    <p:sldId id="286" r:id="rId27"/>
-    <p:sldId id="285" r:id="rId28"/>
+    <p:sldId id="289" r:id="rId25"/>
+    <p:sldId id="278" r:id="rId26"/>
+    <p:sldId id="287" r:id="rId27"/>
+    <p:sldId id="286" r:id="rId28"/>
+    <p:sldId id="288" r:id="rId29"/>
+    <p:sldId id="285" r:id="rId30"/>
   </p:sldIdLst>
   <p:sldSz cx="9144000" cy="6858000" type="screen4x3"/>
   <p:notesSz cx="6858000" cy="9144000"/>
@@ -234,7 +236,7 @@
           <a:p>
             <a:fld id="{720E665E-910D-4D20-AAED-540FD2849473}" type="datetimeFigureOut">
               <a:rPr lang="zh-CN" altLang="en-US" smtClean="0"/>
-              <a:t>2013/10/22</a:t>
+              <a:t>2013/10/23</a:t>
             </a:fld>
             <a:endParaRPr lang="zh-CN" altLang="en-US"/>
           </a:p>
@@ -767,7 +769,7 @@
           <a:p>
             <a:fld id="{530820CF-B880-4189-942D-D702A7CBA730}" type="datetimeFigureOut">
               <a:rPr lang="zh-CN" altLang="en-US" smtClean="0"/>
-              <a:t>2013/10/22</a:t>
+              <a:t>2013/10/23</a:t>
             </a:fld>
             <a:endParaRPr lang="zh-CN" altLang="en-US"/>
           </a:p>
@@ -932,7 +934,7 @@
           <a:p>
             <a:fld id="{530820CF-B880-4189-942D-D702A7CBA730}" type="datetimeFigureOut">
               <a:rPr lang="zh-CN" altLang="en-US" smtClean="0"/>
-              <a:t>2013/10/22</a:t>
+              <a:t>2013/10/23</a:t>
             </a:fld>
             <a:endParaRPr lang="zh-CN" altLang="en-US"/>
           </a:p>
@@ -1107,7 +1109,7 @@
           <a:p>
             <a:fld id="{530820CF-B880-4189-942D-D702A7CBA730}" type="datetimeFigureOut">
               <a:rPr lang="zh-CN" altLang="en-US" smtClean="0"/>
-              <a:t>2013/10/22</a:t>
+              <a:t>2013/10/23</a:t>
             </a:fld>
             <a:endParaRPr lang="zh-CN" altLang="en-US"/>
           </a:p>
@@ -1272,7 +1274,7 @@
           <a:p>
             <a:fld id="{530820CF-B880-4189-942D-D702A7CBA730}" type="datetimeFigureOut">
               <a:rPr lang="zh-CN" altLang="en-US" smtClean="0"/>
-              <a:t>2013/10/22</a:t>
+              <a:t>2013/10/23</a:t>
             </a:fld>
             <a:endParaRPr lang="zh-CN" altLang="en-US"/>
           </a:p>
@@ -1513,7 +1515,7 @@
           <a:p>
             <a:fld id="{530820CF-B880-4189-942D-D702A7CBA730}" type="datetimeFigureOut">
               <a:rPr lang="zh-CN" altLang="en-US" smtClean="0"/>
-              <a:t>2013/10/22</a:t>
+              <a:t>2013/10/23</a:t>
             </a:fld>
             <a:endParaRPr lang="zh-CN" altLang="en-US"/>
           </a:p>
@@ -1796,7 +1798,7 @@
           <a:p>
             <a:fld id="{530820CF-B880-4189-942D-D702A7CBA730}" type="datetimeFigureOut">
               <a:rPr lang="zh-CN" altLang="en-US" smtClean="0"/>
-              <a:t>2013/10/22</a:t>
+              <a:t>2013/10/23</a:t>
             </a:fld>
             <a:endParaRPr lang="zh-CN" altLang="en-US"/>
           </a:p>
@@ -2213,7 +2215,7 @@
           <a:p>
             <a:fld id="{530820CF-B880-4189-942D-D702A7CBA730}" type="datetimeFigureOut">
               <a:rPr lang="zh-CN" altLang="en-US" smtClean="0"/>
-              <a:t>2013/10/22</a:t>
+              <a:t>2013/10/23</a:t>
             </a:fld>
             <a:endParaRPr lang="zh-CN" altLang="en-US"/>
           </a:p>
@@ -2326,7 +2328,7 @@
           <a:p>
             <a:fld id="{530820CF-B880-4189-942D-D702A7CBA730}" type="datetimeFigureOut">
               <a:rPr lang="zh-CN" altLang="en-US" smtClean="0"/>
-              <a:t>2013/10/22</a:t>
+              <a:t>2013/10/23</a:t>
             </a:fld>
             <a:endParaRPr lang="zh-CN" altLang="en-US"/>
           </a:p>
@@ -2416,7 +2418,7 @@
           <a:p>
             <a:fld id="{530820CF-B880-4189-942D-D702A7CBA730}" type="datetimeFigureOut">
               <a:rPr lang="zh-CN" altLang="en-US" smtClean="0"/>
-              <a:t>2013/10/22</a:t>
+              <a:t>2013/10/23</a:t>
             </a:fld>
             <a:endParaRPr lang="zh-CN" altLang="en-US"/>
           </a:p>
@@ -2688,7 +2690,7 @@
           <a:p>
             <a:fld id="{530820CF-B880-4189-942D-D702A7CBA730}" type="datetimeFigureOut">
               <a:rPr lang="zh-CN" altLang="en-US" smtClean="0"/>
-              <a:t>2013/10/22</a:t>
+              <a:t>2013/10/23</a:t>
             </a:fld>
             <a:endParaRPr lang="zh-CN" altLang="en-US"/>
           </a:p>
@@ -2936,7 +2938,7 @@
           <a:p>
             <a:fld id="{530820CF-B880-4189-942D-D702A7CBA730}" type="datetimeFigureOut">
               <a:rPr lang="zh-CN" altLang="en-US" smtClean="0"/>
-              <a:t>2013/10/22</a:t>
+              <a:t>2013/10/23</a:t>
             </a:fld>
             <a:endParaRPr lang="zh-CN" altLang="en-US"/>
           </a:p>
@@ -3144,7 +3146,7 @@
           <a:p>
             <a:fld id="{530820CF-B880-4189-942D-D702A7CBA730}" type="datetimeFigureOut">
               <a:rPr lang="zh-CN" altLang="en-US" smtClean="0"/>
-              <a:t>2013/10/22</a:t>
+              <a:t>2013/10/23</a:t>
             </a:fld>
             <a:endParaRPr lang="zh-CN" altLang="en-US"/>
           </a:p>
@@ -3558,11 +3560,7 @@
           <a:p>
             <a:r>
               <a:rPr lang="zh-CN" altLang="en-US" dirty="0" smtClean="0"/>
-              <a:t>思</a:t>
-            </a:r>
-            <a:r>
-              <a:rPr lang="zh-CN" altLang="en-US" dirty="0" smtClean="0"/>
-              <a:t>寒</a:t>
+              <a:t>思寒</a:t>
             </a:r>
             <a:endParaRPr lang="en-US" altLang="zh-CN" dirty="0" smtClean="0"/>
           </a:p>
@@ -3921,7 +3919,6 @@
               <a:rPr lang="en-US" altLang="zh-CN" dirty="0" smtClean="0"/>
               <a:t> </a:t>
             </a:r>
-            <a:endParaRPr lang="en-US" altLang="zh-CN" dirty="0" smtClean="0"/>
           </a:p>
           <a:p>
             <a:endParaRPr lang="en-US" altLang="zh-CN" dirty="0"/>
@@ -4195,11 +4192,7 @@
           <a:p>
             <a:r>
               <a:rPr lang="zh-CN" altLang="en-US" dirty="0" smtClean="0"/>
-              <a:t>手机自动化指令才</a:t>
-            </a:r>
-            <a:r>
-              <a:rPr lang="zh-CN" altLang="en-US" dirty="0" smtClean="0"/>
-              <a:t>调用</a:t>
+              <a:t>手机自动化指令才调用</a:t>
             </a:r>
             <a:r>
               <a:rPr lang="en-US" altLang="zh-CN" dirty="0" smtClean="0"/>
@@ -4341,11 +4334,7 @@
             </a:r>
             <a:r>
               <a:rPr lang="zh-CN" altLang="en-US" dirty="0" smtClean="0"/>
-              <a:t>增加</a:t>
-            </a:r>
-            <a:r>
-              <a:rPr lang="zh-CN" altLang="en-US" dirty="0" smtClean="0"/>
-              <a:t>了</a:t>
+              <a:t>增加了</a:t>
             </a:r>
             <a:r>
               <a:rPr lang="en-US" altLang="zh-CN" dirty="0" smtClean="0"/>
@@ -4360,11 +4349,7 @@
           <a:p>
             <a:r>
               <a:rPr lang="zh-CN" altLang="en-US" dirty="0" smtClean="0"/>
-              <a:t>增加了一些虚拟机处理命令，比如位置模拟（慎用，因为不兼容不同的环境</a:t>
-            </a:r>
-            <a:r>
-              <a:rPr lang="zh-CN" altLang="en-US" dirty="0" smtClean="0"/>
-              <a:t>）</a:t>
+              <a:t>增加了一些虚拟机处理命令，比如位置模拟（慎用，因为不兼容不同的环境）</a:t>
             </a:r>
             <a:endParaRPr lang="en-US" altLang="zh-CN" dirty="0" smtClean="0"/>
           </a:p>
@@ -5883,8 +5868,12 @@
           <a:lstStyle/>
           <a:p>
             <a:r>
-              <a:rPr lang="zh-CN" altLang="en-US" dirty="0" smtClean="0"/>
-              <a:t>我为什么转型</a:t>
+              <a:rPr lang="en-US" altLang="zh-CN" dirty="0" err="1" smtClean="0"/>
+              <a:t>Appium</a:t>
+            </a:r>
+            <a:r>
+              <a:rPr lang="zh-CN" altLang="en-US" dirty="0" smtClean="0"/>
+              <a:t>的缺点</a:t>
             </a:r>
             <a:endParaRPr lang="zh-CN" altLang="en-US" dirty="0"/>
           </a:p>
@@ -5903,152 +5892,74 @@
         <p:spPr/>
         <p:txBody>
           <a:bodyPr>
-            <a:normAutofit fontScale="62500" lnSpcReduction="20000"/>
+            <a:normAutofit lnSpcReduction="10000"/>
           </a:bodyPr>
           <a:lstStyle/>
           <a:p>
             <a:r>
               <a:rPr lang="zh-CN" altLang="en-US" dirty="0" smtClean="0"/>
-              <a:t>研究后端测试基本只能在大公司工作</a:t>
-            </a:r>
-            <a:r>
-              <a:rPr lang="zh-CN" altLang="en-US" dirty="0" smtClean="0"/>
-              <a:t>。不想在大公司混吃等死熬日子，所以选择转</a:t>
-            </a:r>
-            <a:r>
-              <a:rPr lang="zh-CN" altLang="en-US" dirty="0" smtClean="0"/>
-              <a:t>前端和</a:t>
+              <a:t>根据</a:t>
             </a:r>
             <a:r>
               <a:rPr lang="en-US" altLang="zh-CN" dirty="0" smtClean="0"/>
-              <a:t>mobile</a:t>
-            </a:r>
-            <a:r>
-              <a:rPr lang="zh-CN" altLang="en-US" dirty="0" smtClean="0"/>
-              <a:t>领域，摆脱对职场的依赖</a:t>
-            </a:r>
-            <a:r>
-              <a:rPr lang="zh-CN" altLang="en-US" dirty="0" smtClean="0"/>
-              <a:t>。</a:t>
-            </a:r>
-            <a:endParaRPr lang="en-US" altLang="zh-CN" dirty="0" smtClean="0"/>
-          </a:p>
-          <a:p>
-            <a:endParaRPr lang="en-US" altLang="zh-CN" dirty="0"/>
-          </a:p>
-          <a:p>
-            <a:r>
-              <a:rPr lang="zh-CN" altLang="en-US" dirty="0" smtClean="0"/>
-              <a:t>随着</a:t>
-            </a:r>
-            <a:r>
-              <a:rPr lang="zh-CN" altLang="en-US" dirty="0" smtClean="0"/>
-              <a:t>新兴的后端测试技术发展，后端测试也会逐渐出现需求</a:t>
-            </a:r>
-            <a:r>
-              <a:rPr lang="zh-CN" altLang="en-US" dirty="0" smtClean="0"/>
-              <a:t>萎缩</a:t>
-            </a:r>
-            <a:endParaRPr lang="en-US" altLang="zh-CN" dirty="0" smtClean="0"/>
-          </a:p>
-          <a:p>
-            <a:endParaRPr lang="en-US" altLang="zh-CN" dirty="0" smtClean="0"/>
-          </a:p>
-          <a:p>
-            <a:r>
-              <a:rPr lang="zh-CN" altLang="en-US" dirty="0" smtClean="0"/>
-              <a:t>前端测试出现了新的变革机遇，前端在逐渐的复杂和臃肿和碎片化。单元测试，覆盖率，调试分析，</a:t>
+              <a:t>mic</a:t>
+            </a:r>
+            <a:r>
+              <a:rPr lang="zh-CN" altLang="en-US" dirty="0" smtClean="0"/>
+              <a:t>的反馈，记录下</a:t>
+            </a:r>
+            <a:endParaRPr lang="en-US" altLang="zh-CN" dirty="0" smtClean="0"/>
+          </a:p>
+          <a:p>
+            <a:endParaRPr lang="en-US" altLang="zh-CN" dirty="0" smtClean="0"/>
+          </a:p>
+          <a:p>
+            <a:r>
+              <a:rPr lang="zh-CN" altLang="en-US" dirty="0" smtClean="0"/>
+              <a:t>产品必须成型才能自动化，只适用于验收测试，自动化的成本还是会偏大。</a:t>
+            </a:r>
+            <a:endParaRPr lang="en-US" altLang="zh-CN" dirty="0" smtClean="0"/>
+          </a:p>
+          <a:p>
+            <a:r>
+              <a:rPr lang="zh-CN" altLang="en-US" dirty="0" smtClean="0"/>
+              <a:t>不能和研发体系结合，前端</a:t>
             </a:r>
             <a:r>
               <a:rPr lang="en-US" altLang="zh-CN" dirty="0" smtClean="0"/>
-              <a:t>headless testing</a:t>
-            </a:r>
-            <a:r>
-              <a:rPr lang="zh-CN" altLang="en-US" dirty="0" smtClean="0"/>
-              <a:t>，云测等概念也逐渐发展起来。后端的测试技术理念可以很好的移植到前端去</a:t>
-            </a:r>
-            <a:r>
-              <a:rPr lang="zh-CN" altLang="en-US" dirty="0" smtClean="0"/>
-              <a:t>发展</a:t>
-            </a:r>
-            <a:endParaRPr lang="en-US" altLang="zh-CN" dirty="0" smtClean="0"/>
-          </a:p>
-          <a:p>
-            <a:endParaRPr lang="en-US" altLang="zh-CN" dirty="0"/>
-          </a:p>
-          <a:p>
+              <a:t>web</a:t>
+            </a:r>
+            <a:r>
+              <a:rPr lang="zh-CN" altLang="en-US" dirty="0" smtClean="0"/>
+              <a:t>自动化可以实现组件化的测试，但是</a:t>
+            </a:r>
             <a:r>
               <a:rPr lang="en-US" altLang="zh-CN" dirty="0" err="1" smtClean="0"/>
-              <a:t>javascript</a:t>
-            </a:r>
-            <a:r>
-              <a:rPr lang="zh-CN" altLang="en-US" dirty="0" smtClean="0"/>
-              <a:t>将成为</a:t>
-            </a:r>
-            <a:r>
-              <a:rPr lang="zh-CN" altLang="en-US" dirty="0"/>
-              <a:t>最</a:t>
-            </a:r>
-            <a:r>
-              <a:rPr lang="zh-CN" altLang="en-US" dirty="0" smtClean="0"/>
-              <a:t>适合</a:t>
-            </a:r>
+              <a:t>appium</a:t>
+            </a:r>
+            <a:r>
+              <a:rPr lang="zh-CN" altLang="en-US" dirty="0" smtClean="0"/>
+              <a:t>目前还不支持</a:t>
+            </a:r>
+            <a:endParaRPr lang="en-US" altLang="zh-CN" dirty="0" smtClean="0"/>
+          </a:p>
+          <a:p>
             <a:r>
               <a:rPr lang="en-US" altLang="zh-CN" dirty="0" smtClean="0"/>
-              <a:t>QA</a:t>
-            </a:r>
-            <a:r>
-              <a:rPr lang="zh-CN" altLang="en-US" dirty="0" smtClean="0"/>
-              <a:t>的语言，</a:t>
+              <a:t>Google</a:t>
+            </a:r>
+            <a:r>
+              <a:rPr lang="zh-CN" altLang="en-US" dirty="0" smtClean="0"/>
+              <a:t>也推出了新的测试框架，存在一定的方案竞争（参考</a:t>
             </a:r>
             <a:r>
               <a:rPr lang="en-US" altLang="zh-CN" dirty="0" smtClean="0"/>
-              <a:t>mocha</a:t>
-            </a:r>
-            <a:r>
-              <a:rPr lang="zh-CN" altLang="en-US" dirty="0" smtClean="0"/>
-              <a:t>，</a:t>
-            </a:r>
-            <a:r>
-              <a:rPr lang="en-US" altLang="zh-CN" dirty="0" smtClean="0"/>
-              <a:t>should</a:t>
-            </a:r>
-            <a:r>
-              <a:rPr lang="zh-CN" altLang="en-US" dirty="0" smtClean="0"/>
-              <a:t>，</a:t>
-            </a:r>
-            <a:r>
-              <a:rPr lang="en-US" altLang="zh-CN" dirty="0" err="1" smtClean="0"/>
-              <a:t>rspec</a:t>
-            </a:r>
-            <a:r>
-              <a:rPr lang="zh-CN" altLang="en-US" dirty="0" smtClean="0"/>
-              <a:t>等优秀的测试框架移植。开始全面转向 </a:t>
-            </a:r>
-            <a:r>
-              <a:rPr lang="en-US" altLang="zh-CN" dirty="0" err="1" smtClean="0"/>
-              <a:t>node+javascript</a:t>
-            </a:r>
-            <a:endParaRPr lang="en-US" altLang="zh-CN" dirty="0" smtClean="0"/>
-          </a:p>
-          <a:p>
-            <a:endParaRPr lang="en-US" altLang="zh-CN" dirty="0" smtClean="0"/>
-          </a:p>
-          <a:p>
-            <a:r>
-              <a:rPr lang="zh-CN" altLang="en-US" dirty="0" smtClean="0"/>
-              <a:t>各家公司对测试技术的研究和测试的理解上存在很大的偏差，需要中间组织来融合与改进</a:t>
-            </a:r>
-            <a:r>
-              <a:rPr lang="zh-CN" altLang="en-US" dirty="0" smtClean="0"/>
-              <a:t>。并把技术服务于中小公司</a:t>
-            </a:r>
-            <a:endParaRPr lang="en-US" altLang="zh-CN" dirty="0" smtClean="0"/>
-          </a:p>
-          <a:p>
-            <a:endParaRPr lang="en-US" altLang="zh-CN" dirty="0" smtClean="0"/>
-          </a:p>
-          <a:p>
+              <a:t>blog</a:t>
+            </a:r>
+            <a:r>
+              <a:rPr lang="zh-CN" altLang="en-US" dirty="0" smtClean="0"/>
+              <a:t>的文章）</a:t>
+            </a:r>
             <a:endParaRPr lang="zh-CN" altLang="en-US" dirty="0"/>
           </a:p>
         </p:txBody>
@@ -6056,7 +5967,7 @@
     </p:spTree>
     <p:extLst>
       <p:ext uri="{BB962C8B-B14F-4D97-AF65-F5344CB8AC3E}">
-        <p14:creationId xmlns:p14="http://schemas.microsoft.com/office/powerpoint/2010/main" val="2514677394"/>
+        <p14:creationId xmlns:p14="http://schemas.microsoft.com/office/powerpoint/2010/main" val="3922108759"/>
       </p:ext>
     </p:extLst>
   </p:cSld>
@@ -6100,7 +6011,7 @@
           <a:p>
             <a:r>
               <a:rPr lang="zh-CN" altLang="en-US" dirty="0" smtClean="0"/>
-              <a:t>个人发展定位</a:t>
+              <a:t>我为什么转型</a:t>
             </a:r>
             <a:endParaRPr lang="zh-CN" altLang="en-US" dirty="0"/>
           </a:p>
@@ -6118,56 +6029,90 @@
         </p:nvSpPr>
         <p:spPr/>
         <p:txBody>
-          <a:bodyPr/>
-          <a:lstStyle/>
-          <a:p>
-            <a:r>
-              <a:rPr lang="zh-CN" altLang="en-US" dirty="0" smtClean="0"/>
-              <a:t>测试咨询</a:t>
-            </a:r>
-            <a:endParaRPr lang="en-US" altLang="zh-CN" dirty="0" smtClean="0"/>
-          </a:p>
-          <a:p>
-            <a:r>
-              <a:rPr lang="zh-CN" altLang="en-US" dirty="0" smtClean="0"/>
-              <a:t>测试</a:t>
-            </a:r>
-            <a:r>
-              <a:rPr lang="zh-CN" altLang="en-US" dirty="0"/>
-              <a:t>培训</a:t>
+          <a:bodyPr>
+            <a:normAutofit fontScale="77500" lnSpcReduction="20000"/>
+          </a:bodyPr>
+          <a:lstStyle/>
+          <a:p>
+            <a:r>
+              <a:rPr lang="zh-CN" altLang="en-US" dirty="0" smtClean="0"/>
+              <a:t>研究后端测试基本只能在大公司工作</a:t>
+            </a:r>
+            <a:r>
+              <a:rPr lang="zh-CN" altLang="en-US" dirty="0" smtClean="0"/>
+              <a:t>。后端测试需要靠工具，不能靠云服务生存，</a:t>
+            </a:r>
+            <a:r>
+              <a:rPr lang="zh-CN" altLang="en-US" dirty="0" smtClean="0"/>
+              <a:t>所以选择转前端和</a:t>
+            </a:r>
+            <a:r>
+              <a:rPr lang="en-US" altLang="zh-CN" dirty="0" smtClean="0"/>
+              <a:t>mobile</a:t>
+            </a:r>
+            <a:r>
+              <a:rPr lang="zh-CN" altLang="en-US" dirty="0" smtClean="0"/>
+              <a:t>领域，摆脱对职场的依赖</a:t>
+            </a:r>
+            <a:r>
+              <a:rPr lang="zh-CN" altLang="en-US" dirty="0" smtClean="0"/>
+              <a:t>。随着</a:t>
+            </a:r>
+            <a:r>
+              <a:rPr lang="zh-CN" altLang="en-US" dirty="0" smtClean="0"/>
+              <a:t>新兴的后端测试技术发展，后端测试也会</a:t>
+            </a:r>
+            <a:r>
+              <a:rPr lang="zh-CN" altLang="en-US" dirty="0" smtClean="0"/>
+              <a:t>逐渐成熟并出现</a:t>
+            </a:r>
+            <a:r>
+              <a:rPr lang="zh-CN" altLang="en-US" dirty="0" smtClean="0"/>
+              <a:t>需求萎缩</a:t>
+            </a:r>
+            <a:endParaRPr lang="en-US" altLang="zh-CN" dirty="0" smtClean="0"/>
+          </a:p>
+          <a:p>
+            <a:endParaRPr lang="en-US" altLang="zh-CN" dirty="0" smtClean="0"/>
+          </a:p>
+          <a:p>
+            <a:r>
+              <a:rPr lang="zh-CN" altLang="en-US" dirty="0" smtClean="0"/>
+              <a:t>前端测试出现了新的变革机遇，前端在逐渐的复杂和臃肿和碎片化。单元测试，覆盖率，调试分析，</a:t>
+            </a:r>
+            <a:r>
+              <a:rPr lang="en-US" altLang="zh-CN" dirty="0" smtClean="0"/>
+              <a:t>headless testing</a:t>
+            </a:r>
+            <a:r>
+              <a:rPr lang="zh-CN" altLang="en-US" dirty="0" smtClean="0"/>
+              <a:t>，云测等概念也逐渐发展起来。后端的测试技术理念可以很好的移植到前端去</a:t>
+            </a:r>
+            <a:r>
+              <a:rPr lang="zh-CN" altLang="en-US" dirty="0" smtClean="0"/>
+              <a:t>发展</a:t>
             </a:r>
             <a:endParaRPr lang="en-US" altLang="zh-CN" dirty="0"/>
           </a:p>
           <a:p>
-            <a:r>
-              <a:rPr lang="zh-CN" altLang="en-US" dirty="0"/>
-              <a:t>测试</a:t>
-            </a:r>
-            <a:r>
-              <a:rPr lang="zh-CN" altLang="en-US" dirty="0" smtClean="0"/>
-              <a:t>产品</a:t>
-            </a:r>
-            <a:endParaRPr lang="en-US" altLang="zh-CN" dirty="0" smtClean="0"/>
-          </a:p>
-          <a:p>
-            <a:r>
-              <a:rPr lang="zh-CN" altLang="en-US" dirty="0" smtClean="0"/>
-              <a:t>测试服务</a:t>
-            </a:r>
-            <a:endParaRPr lang="en-US" altLang="zh-CN" dirty="0" smtClean="0"/>
-          </a:p>
-          <a:p>
-            <a:endParaRPr lang="en-US" altLang="zh-CN" dirty="0"/>
-          </a:p>
-          <a:p>
-            <a:endParaRPr lang="en-US" altLang="zh-CN" dirty="0"/>
+            <a:endParaRPr lang="en-US" altLang="zh-CN" dirty="0" smtClean="0"/>
+          </a:p>
+          <a:p>
+            <a:r>
+              <a:rPr lang="zh-CN" altLang="en-US" dirty="0" smtClean="0"/>
+              <a:t>大型公司的测试技术趋于成熟，中小型公司仍有很多问题，有创造价值空间</a:t>
+            </a:r>
+            <a:endParaRPr lang="en-US" altLang="zh-CN" dirty="0" smtClean="0"/>
+          </a:p>
+          <a:p>
+            <a:endParaRPr lang="zh-CN" altLang="en-US" dirty="0"/>
           </a:p>
         </p:txBody>
       </p:sp>
     </p:spTree>
     <p:extLst>
       <p:ext uri="{BB962C8B-B14F-4D97-AF65-F5344CB8AC3E}">
-        <p14:creationId xmlns:p14="http://schemas.microsoft.com/office/powerpoint/2010/main" val="4194840161"/>
+        <p14:creationId xmlns:p14="http://schemas.microsoft.com/office/powerpoint/2010/main" val="2514677394"/>
       </p:ext>
     </p:extLst>
   </p:cSld>
@@ -6210,6 +6155,117 @@
           <a:lstStyle/>
           <a:p>
             <a:r>
+              <a:rPr lang="zh-CN" altLang="en-US" dirty="0" smtClean="0"/>
+              <a:t>个人发展定位</a:t>
+            </a:r>
+            <a:endParaRPr lang="zh-CN" altLang="en-US" dirty="0"/>
+          </a:p>
+        </p:txBody>
+      </p:sp>
+      <p:sp>
+        <p:nvSpPr>
+          <p:cNvPr id="3" name="内容占位符 2"/>
+          <p:cNvSpPr>
+            <a:spLocks noGrp="1"/>
+          </p:cNvSpPr>
+          <p:nvPr>
+            <p:ph idx="1"/>
+          </p:nvPr>
+        </p:nvSpPr>
+        <p:spPr/>
+        <p:txBody>
+          <a:bodyPr/>
+          <a:lstStyle/>
+          <a:p>
+            <a:r>
+              <a:rPr lang="zh-CN" altLang="en-US" dirty="0" smtClean="0"/>
+              <a:t>测试咨询</a:t>
+            </a:r>
+            <a:endParaRPr lang="en-US" altLang="zh-CN" dirty="0" smtClean="0"/>
+          </a:p>
+          <a:p>
+            <a:r>
+              <a:rPr lang="zh-CN" altLang="en-US" dirty="0" smtClean="0"/>
+              <a:t>测试</a:t>
+            </a:r>
+            <a:r>
+              <a:rPr lang="zh-CN" altLang="en-US" dirty="0"/>
+              <a:t>培训</a:t>
+            </a:r>
+            <a:endParaRPr lang="en-US" altLang="zh-CN" dirty="0"/>
+          </a:p>
+          <a:p>
+            <a:r>
+              <a:rPr lang="zh-CN" altLang="en-US" dirty="0"/>
+              <a:t>测试</a:t>
+            </a:r>
+            <a:r>
+              <a:rPr lang="zh-CN" altLang="en-US" dirty="0" smtClean="0"/>
+              <a:t>产品</a:t>
+            </a:r>
+            <a:endParaRPr lang="en-US" altLang="zh-CN" dirty="0" smtClean="0"/>
+          </a:p>
+          <a:p>
+            <a:r>
+              <a:rPr lang="zh-CN" altLang="en-US" dirty="0" smtClean="0"/>
+              <a:t>测试服务</a:t>
+            </a:r>
+            <a:endParaRPr lang="en-US" altLang="zh-CN" dirty="0" smtClean="0"/>
+          </a:p>
+          <a:p>
+            <a:endParaRPr lang="en-US" altLang="zh-CN" dirty="0"/>
+          </a:p>
+          <a:p>
+            <a:endParaRPr lang="en-US" altLang="zh-CN" dirty="0"/>
+          </a:p>
+        </p:txBody>
+      </p:sp>
+    </p:spTree>
+    <p:extLst>
+      <p:ext uri="{BB962C8B-B14F-4D97-AF65-F5344CB8AC3E}">
+        <p14:creationId xmlns:p14="http://schemas.microsoft.com/office/powerpoint/2010/main" val="4194840161"/>
+      </p:ext>
+    </p:extLst>
+  </p:cSld>
+  <p:clrMapOvr>
+    <a:masterClrMapping/>
+  </p:clrMapOvr>
+</p:sld>
+</file>
+
+<file path=ppt/slides/slide27.xml><?xml version="1.0" encoding="utf-8"?>
+<p:sld xmlns:a="http://schemas.openxmlformats.org/drawingml/2006/main" xmlns:r="http://schemas.openxmlformats.org/officeDocument/2006/relationships" xmlns:p="http://schemas.openxmlformats.org/presentationml/2006/main">
+  <p:cSld>
+    <p:spTree>
+      <p:nvGrpSpPr>
+        <p:cNvPr id="1" name=""/>
+        <p:cNvGrpSpPr/>
+        <p:nvPr/>
+      </p:nvGrpSpPr>
+      <p:grpSpPr>
+        <a:xfrm>
+          <a:off x="0" y="0"/>
+          <a:ext cx="0" cy="0"/>
+          <a:chOff x="0" y="0"/>
+          <a:chExt cx="0" cy="0"/>
+        </a:xfrm>
+      </p:grpSpPr>
+      <p:sp>
+        <p:nvSpPr>
+          <p:cNvPr id="2" name="标题 1"/>
+          <p:cNvSpPr>
+            <a:spLocks noGrp="1"/>
+          </p:cNvSpPr>
+          <p:nvPr>
+            <p:ph type="title"/>
+          </p:nvPr>
+        </p:nvSpPr>
+        <p:spPr/>
+        <p:txBody>
+          <a:bodyPr/>
+          <a:lstStyle/>
+          <a:p>
+            <a:r>
               <a:rPr lang="en-US" altLang="zh-CN" dirty="0" err="1" smtClean="0"/>
               <a:t>Testerhome</a:t>
             </a:r>
@@ -6339,7 +6395,99 @@
 </p:sld>
 </file>
 
-<file path=ppt/slides/slide27.xml><?xml version="1.0" encoding="utf-8"?>
+<file path=ppt/slides/slide28.xml><?xml version="1.0" encoding="utf-8"?>
+<p:sld xmlns:a="http://schemas.openxmlformats.org/drawingml/2006/main" xmlns:r="http://schemas.openxmlformats.org/officeDocument/2006/relationships" xmlns:p="http://schemas.openxmlformats.org/presentationml/2006/main">
+  <p:cSld>
+    <p:spTree>
+      <p:nvGrpSpPr>
+        <p:cNvPr id="1" name=""/>
+        <p:cNvGrpSpPr/>
+        <p:nvPr/>
+      </p:nvGrpSpPr>
+      <p:grpSpPr>
+        <a:xfrm>
+          <a:off x="0" y="0"/>
+          <a:ext cx="0" cy="0"/>
+          <a:chOff x="0" y="0"/>
+          <a:chExt cx="0" cy="0"/>
+        </a:xfrm>
+      </p:grpSpPr>
+      <p:sp>
+        <p:nvSpPr>
+          <p:cNvPr id="2" name="标题 1"/>
+          <p:cNvSpPr>
+            <a:spLocks noGrp="1"/>
+          </p:cNvSpPr>
+          <p:nvPr>
+            <p:ph type="title"/>
+          </p:nvPr>
+        </p:nvSpPr>
+        <p:spPr/>
+        <p:txBody>
+          <a:bodyPr/>
+          <a:lstStyle/>
+          <a:p>
+            <a:endParaRPr lang="zh-CN" altLang="en-US"/>
+          </a:p>
+        </p:txBody>
+      </p:sp>
+      <p:sp>
+        <p:nvSpPr>
+          <p:cNvPr id="3" name="内容占位符 2"/>
+          <p:cNvSpPr>
+            <a:spLocks noGrp="1"/>
+          </p:cNvSpPr>
+          <p:nvPr>
+            <p:ph idx="1"/>
+          </p:nvPr>
+        </p:nvSpPr>
+        <p:spPr/>
+        <p:txBody>
+          <a:bodyPr/>
+          <a:lstStyle/>
+          <a:p>
+            <a:endParaRPr lang="zh-CN" altLang="en-US"/>
+          </a:p>
+        </p:txBody>
+      </p:sp>
+      <p:pic>
+        <p:nvPicPr>
+          <p:cNvPr id="4" name="图片 3"/>
+          <p:cNvPicPr>
+            <a:picLocks noChangeAspect="1"/>
+          </p:cNvPicPr>
+          <p:nvPr/>
+        </p:nvPicPr>
+        <p:blipFill>
+          <a:blip r:embed="rId2"/>
+          <a:stretch>
+            <a:fillRect/>
+          </a:stretch>
+        </p:blipFill>
+        <p:spPr>
+          <a:xfrm>
+            <a:off x="356761" y="908720"/>
+            <a:ext cx="8582463" cy="4896544"/>
+          </a:xfrm>
+          <a:prstGeom prst="rect">
+            <a:avLst/>
+          </a:prstGeom>
+        </p:spPr>
+      </p:pic>
+    </p:spTree>
+    <p:extLst>
+      <p:ext uri="{BB962C8B-B14F-4D97-AF65-F5344CB8AC3E}">
+        <p14:creationId xmlns:p14="http://schemas.microsoft.com/office/powerpoint/2010/main" val="1664335212"/>
+      </p:ext>
+    </p:extLst>
+  </p:cSld>
+  <p:clrMapOvr>
+    <a:masterClrMapping/>
+  </p:clrMapOvr>
+</p:sld>
+</file>
+
+<file path=ppt/slides/slide29.xml><?xml version="1.0" encoding="utf-8"?>
 <p:sld xmlns:a="http://schemas.openxmlformats.org/drawingml/2006/main" xmlns:r="http://schemas.openxmlformats.org/officeDocument/2006/relationships" xmlns:p="http://schemas.openxmlformats.org/presentationml/2006/main">
   <p:cSld>
     <p:spTree>
@@ -6608,11 +6756,7 @@
           <a:p>
             <a:r>
               <a:rPr lang="zh-CN" altLang="en-US" dirty="0" smtClean="0"/>
-              <a:t>跨</a:t>
-            </a:r>
-            <a:r>
-              <a:rPr lang="zh-CN" altLang="en-US" dirty="0" smtClean="0"/>
-              <a:t>架构，</a:t>
+              <a:t>跨架构，</a:t>
             </a:r>
             <a:r>
               <a:rPr lang="en-US" altLang="zh-CN" dirty="0" smtClean="0"/>
@@ -6897,11 +7041,7 @@
             </a:r>
             <a:r>
               <a:rPr lang="zh-CN" altLang="en-US" dirty="0" smtClean="0"/>
-              <a:t>以下</a:t>
-            </a:r>
-            <a:r>
-              <a:rPr lang="zh-CN" altLang="en-US" dirty="0" smtClean="0"/>
-              <a:t>使用</a:t>
+              <a:t>以下使用</a:t>
             </a:r>
             <a:r>
               <a:rPr lang="en-US" altLang="zh-CN" dirty="0" err="1" smtClean="0"/>
@@ -7023,11 +7163,7 @@
             </a:r>
             <a:r>
               <a:rPr lang="zh-CN" altLang="en-US" dirty="0" smtClean="0"/>
-              <a:t>接受请求并把命令</a:t>
-            </a:r>
-            <a:r>
-              <a:rPr lang="zh-CN" altLang="en-US" dirty="0" smtClean="0"/>
-              <a:t>发给</a:t>
+              <a:t>接受请求并把命令发给</a:t>
             </a:r>
             <a:r>
               <a:rPr lang="en-US" altLang="zh-CN" dirty="0" err="1" smtClean="0"/>
@@ -7435,15 +7571,7 @@
             </a:r>
             <a:r>
               <a:rPr lang="zh-CN" altLang="en-US" dirty="0" smtClean="0"/>
-              <a:t>端</a:t>
-            </a:r>
-            <a:r>
-              <a:rPr lang="zh-CN" altLang="en-US" dirty="0" smtClean="0"/>
-              <a:t>运行可以支持</a:t>
-            </a:r>
-            <a:r>
-              <a:rPr lang="zh-CN" altLang="en-US" dirty="0" smtClean="0"/>
-              <a:t>各种</a:t>
+              <a:t>端运行可以支持各种</a:t>
             </a:r>
             <a:r>
               <a:rPr lang="en-US" altLang="zh-CN" dirty="0" smtClean="0"/>
@@ -7451,11 +7579,7 @@
             </a:r>
             <a:r>
               <a:rPr lang="zh-CN" altLang="en-US" dirty="0" smtClean="0"/>
-              <a:t>，</a:t>
-            </a:r>
-            <a:r>
-              <a:rPr lang="zh-CN" altLang="en-US" dirty="0" smtClean="0"/>
-              <a:t>不受限手机环境</a:t>
+              <a:t>，不受限手机环境</a:t>
             </a:r>
             <a:endParaRPr lang="zh-CN" altLang="en-US" dirty="0"/>
           </a:p>
